--- a/officialpkg/Quibit_1_2_RY - Copy (2).pptx
+++ b/officialpkg/Quibit_1_2_RY - Copy (2).pptx
@@ -259,7 +259,7 @@
           <a:p>
             <a:fld id="{1315298F-4120-4109-BDEF-ED3E9F0B1DC0}" type="datetimeFigureOut">
               <a:rPr lang="en-US" smtClean="0"/>
-              <a:t>4/13/2023</a:t>
+              <a:t>4/29/2023</a:t>
             </a:fld>
             <a:endParaRPr lang="en-US"/>
           </a:p>
@@ -457,7 +457,7 @@
           <a:p>
             <a:fld id="{1315298F-4120-4109-BDEF-ED3E9F0B1DC0}" type="datetimeFigureOut">
               <a:rPr lang="en-US" smtClean="0"/>
-              <a:t>4/13/2023</a:t>
+              <a:t>4/29/2023</a:t>
             </a:fld>
             <a:endParaRPr lang="en-US"/>
           </a:p>
@@ -665,7 +665,7 @@
           <a:p>
             <a:fld id="{1315298F-4120-4109-BDEF-ED3E9F0B1DC0}" type="datetimeFigureOut">
               <a:rPr lang="en-US" smtClean="0"/>
-              <a:t>4/13/2023</a:t>
+              <a:t>4/29/2023</a:t>
             </a:fld>
             <a:endParaRPr lang="en-US"/>
           </a:p>
@@ -863,7 +863,7 @@
           <a:p>
             <a:fld id="{1315298F-4120-4109-BDEF-ED3E9F0B1DC0}" type="datetimeFigureOut">
               <a:rPr lang="en-US" smtClean="0"/>
-              <a:t>4/13/2023</a:t>
+              <a:t>4/29/2023</a:t>
             </a:fld>
             <a:endParaRPr lang="en-US"/>
           </a:p>
@@ -1138,7 +1138,7 @@
           <a:p>
             <a:fld id="{1315298F-4120-4109-BDEF-ED3E9F0B1DC0}" type="datetimeFigureOut">
               <a:rPr lang="en-US" smtClean="0"/>
-              <a:t>4/13/2023</a:t>
+              <a:t>4/29/2023</a:t>
             </a:fld>
             <a:endParaRPr lang="en-US"/>
           </a:p>
@@ -1403,7 +1403,7 @@
           <a:p>
             <a:fld id="{1315298F-4120-4109-BDEF-ED3E9F0B1DC0}" type="datetimeFigureOut">
               <a:rPr lang="en-US" smtClean="0"/>
-              <a:t>4/13/2023</a:t>
+              <a:t>4/29/2023</a:t>
             </a:fld>
             <a:endParaRPr lang="en-US"/>
           </a:p>
@@ -1815,7 +1815,7 @@
           <a:p>
             <a:fld id="{1315298F-4120-4109-BDEF-ED3E9F0B1DC0}" type="datetimeFigureOut">
               <a:rPr lang="en-US" smtClean="0"/>
-              <a:t>4/13/2023</a:t>
+              <a:t>4/29/2023</a:t>
             </a:fld>
             <a:endParaRPr lang="en-US"/>
           </a:p>
@@ -1956,7 +1956,7 @@
           <a:p>
             <a:fld id="{1315298F-4120-4109-BDEF-ED3E9F0B1DC0}" type="datetimeFigureOut">
               <a:rPr lang="en-US" smtClean="0"/>
-              <a:t>4/13/2023</a:t>
+              <a:t>4/29/2023</a:t>
             </a:fld>
             <a:endParaRPr lang="en-US"/>
           </a:p>
@@ -2069,7 +2069,7 @@
           <a:p>
             <a:fld id="{1315298F-4120-4109-BDEF-ED3E9F0B1DC0}" type="datetimeFigureOut">
               <a:rPr lang="en-US" smtClean="0"/>
-              <a:t>4/13/2023</a:t>
+              <a:t>4/29/2023</a:t>
             </a:fld>
             <a:endParaRPr lang="en-US"/>
           </a:p>
@@ -2380,7 +2380,7 @@
           <a:p>
             <a:fld id="{1315298F-4120-4109-BDEF-ED3E9F0B1DC0}" type="datetimeFigureOut">
               <a:rPr lang="en-US" smtClean="0"/>
-              <a:t>4/13/2023</a:t>
+              <a:t>4/29/2023</a:t>
             </a:fld>
             <a:endParaRPr lang="en-US"/>
           </a:p>
@@ -2668,7 +2668,7 @@
           <a:p>
             <a:fld id="{1315298F-4120-4109-BDEF-ED3E9F0B1DC0}" type="datetimeFigureOut">
               <a:rPr lang="en-US" smtClean="0"/>
-              <a:t>4/13/2023</a:t>
+              <a:t>4/29/2023</a:t>
             </a:fld>
             <a:endParaRPr lang="en-US"/>
           </a:p>
@@ -2909,7 +2909,7 @@
           <a:p>
             <a:fld id="{1315298F-4120-4109-BDEF-ED3E9F0B1DC0}" type="datetimeFigureOut">
               <a:rPr lang="en-US" smtClean="0"/>
-              <a:t>4/13/2023</a:t>
+              <a:t>4/29/2023</a:t>
             </a:fld>
             <a:endParaRPr lang="en-US"/>
           </a:p>
@@ -3801,7 +3801,7 @@
         </p:nvSpPr>
         <p:spPr>
           <a:xfrm rot="10800000">
-            <a:off x="10508623" y="3614525"/>
+            <a:off x="10534024" y="3639926"/>
             <a:ext cx="274320" cy="731520"/>
           </a:xfrm>
           <a:prstGeom prst="triangle">
@@ -3901,7 +3901,7 @@
         </p:nvSpPr>
         <p:spPr>
           <a:xfrm rot="10800000">
-            <a:off x="7116048" y="3615394"/>
+            <a:off x="7116048" y="3640795"/>
             <a:ext cx="274320" cy="731520"/>
           </a:xfrm>
           <a:prstGeom prst="triangle">
@@ -3984,6 +3984,234 @@
           <a:p>
             <a:pPr algn="ctr"/>
             <a:endParaRPr lang="en-US"/>
+          </a:p>
+        </p:txBody>
+      </p:sp>
+      <p:sp>
+        <p:nvSpPr>
+          <p:cNvPr id="3" name="TextBox 2">
+            <a:extLst>
+              <a:ext uri="{FF2B5EF4-FFF2-40B4-BE49-F238E27FC236}">
+                <a16:creationId xmlns:a16="http://schemas.microsoft.com/office/drawing/2014/main" id="{E0D35AF0-A89B-CCBA-3E91-0C3B49930BF8}"/>
+              </a:ext>
+            </a:extLst>
+          </p:cNvPr>
+          <p:cNvSpPr txBox="1"/>
+          <p:nvPr/>
+        </p:nvSpPr>
+        <p:spPr>
+          <a:xfrm>
+            <a:off x="3001987" y="829366"/>
+            <a:ext cx="466794" cy="369332"/>
+          </a:xfrm>
+          <a:prstGeom prst="rect">
+            <a:avLst/>
+          </a:prstGeom>
+          <a:noFill/>
+        </p:spPr>
+        <p:txBody>
+          <a:bodyPr wrap="none" rtlCol="0">
+            <a:spAutoFit/>
+          </a:bodyPr>
+          <a:lstStyle/>
+          <a:p>
+            <a:r>
+              <a:rPr lang="en-US" b="1" dirty="0">
+                <a:latin typeface="Arial" panose="020B0604020202020204" pitchFamily="34" charset="0"/>
+                <a:cs typeface="Arial" panose="020B0604020202020204" pitchFamily="34" charset="0"/>
+              </a:rPr>
+              <a:t>(a)</a:t>
+            </a:r>
+          </a:p>
+        </p:txBody>
+      </p:sp>
+      <p:sp>
+        <p:nvSpPr>
+          <p:cNvPr id="14" name="TextBox 13">
+            <a:extLst>
+              <a:ext uri="{FF2B5EF4-FFF2-40B4-BE49-F238E27FC236}">
+                <a16:creationId xmlns:a16="http://schemas.microsoft.com/office/drawing/2014/main" id="{0498E412-5E75-BA72-CE21-C8EF1238156C}"/>
+              </a:ext>
+            </a:extLst>
+          </p:cNvPr>
+          <p:cNvSpPr txBox="1"/>
+          <p:nvPr/>
+        </p:nvSpPr>
+        <p:spPr>
+          <a:xfrm>
+            <a:off x="5847374" y="829366"/>
+            <a:ext cx="479618" cy="369332"/>
+          </a:xfrm>
+          <a:prstGeom prst="rect">
+            <a:avLst/>
+          </a:prstGeom>
+          <a:noFill/>
+        </p:spPr>
+        <p:txBody>
+          <a:bodyPr wrap="none" rtlCol="0">
+            <a:spAutoFit/>
+          </a:bodyPr>
+          <a:lstStyle/>
+          <a:p>
+            <a:r>
+              <a:rPr lang="en-US" b="1" dirty="0">
+                <a:latin typeface="Arial" panose="020B0604020202020204" pitchFamily="34" charset="0"/>
+                <a:cs typeface="Arial" panose="020B0604020202020204" pitchFamily="34" charset="0"/>
+              </a:rPr>
+              <a:t>(b)</a:t>
+            </a:r>
+          </a:p>
+        </p:txBody>
+      </p:sp>
+      <p:sp>
+        <p:nvSpPr>
+          <p:cNvPr id="15" name="TextBox 14">
+            <a:extLst>
+              <a:ext uri="{FF2B5EF4-FFF2-40B4-BE49-F238E27FC236}">
+                <a16:creationId xmlns:a16="http://schemas.microsoft.com/office/drawing/2014/main" id="{37E066CB-3F91-D963-E523-E4872D454518}"/>
+              </a:ext>
+            </a:extLst>
+          </p:cNvPr>
+          <p:cNvSpPr txBox="1"/>
+          <p:nvPr/>
+        </p:nvSpPr>
+        <p:spPr>
+          <a:xfrm>
+            <a:off x="9361041" y="829366"/>
+            <a:ext cx="466794" cy="369332"/>
+          </a:xfrm>
+          <a:prstGeom prst="rect">
+            <a:avLst/>
+          </a:prstGeom>
+          <a:noFill/>
+        </p:spPr>
+        <p:txBody>
+          <a:bodyPr wrap="none" rtlCol="0">
+            <a:spAutoFit/>
+          </a:bodyPr>
+          <a:lstStyle/>
+          <a:p>
+            <a:r>
+              <a:rPr lang="en-US" b="1" dirty="0">
+                <a:latin typeface="Arial" panose="020B0604020202020204" pitchFamily="34" charset="0"/>
+                <a:cs typeface="Arial" panose="020B0604020202020204" pitchFamily="34" charset="0"/>
+              </a:rPr>
+              <a:t>(c)</a:t>
+            </a:r>
+          </a:p>
+        </p:txBody>
+      </p:sp>
+      <p:sp>
+        <p:nvSpPr>
+          <p:cNvPr id="16" name="TextBox 15">
+            <a:extLst>
+              <a:ext uri="{FF2B5EF4-FFF2-40B4-BE49-F238E27FC236}">
+                <a16:creationId xmlns:a16="http://schemas.microsoft.com/office/drawing/2014/main" id="{2108B5C4-B1E6-075A-82CA-9449FF62D878}"/>
+              </a:ext>
+            </a:extLst>
+          </p:cNvPr>
+          <p:cNvSpPr txBox="1"/>
+          <p:nvPr/>
+        </p:nvSpPr>
+        <p:spPr>
+          <a:xfrm>
+            <a:off x="2400806" y="5530444"/>
+            <a:ext cx="479618" cy="369332"/>
+          </a:xfrm>
+          <a:prstGeom prst="rect">
+            <a:avLst/>
+          </a:prstGeom>
+          <a:noFill/>
+        </p:spPr>
+        <p:txBody>
+          <a:bodyPr wrap="none" rtlCol="0">
+            <a:spAutoFit/>
+          </a:bodyPr>
+          <a:lstStyle/>
+          <a:p>
+            <a:r>
+              <a:rPr lang="en-US" b="1" dirty="0">
+                <a:latin typeface="Arial" panose="020B0604020202020204" pitchFamily="34" charset="0"/>
+                <a:cs typeface="Arial" panose="020B0604020202020204" pitchFamily="34" charset="0"/>
+              </a:rPr>
+              <a:t>(d)</a:t>
+            </a:r>
+          </a:p>
+        </p:txBody>
+      </p:sp>
+      <p:sp>
+        <p:nvSpPr>
+          <p:cNvPr id="17" name="TextBox 16">
+            <a:extLst>
+              <a:ext uri="{FF2B5EF4-FFF2-40B4-BE49-F238E27FC236}">
+                <a16:creationId xmlns:a16="http://schemas.microsoft.com/office/drawing/2014/main" id="{42C33BD6-1ECD-D7C3-2E1C-228EE715D3F1}"/>
+              </a:ext>
+            </a:extLst>
+          </p:cNvPr>
+          <p:cNvSpPr txBox="1"/>
+          <p:nvPr/>
+        </p:nvSpPr>
+        <p:spPr>
+          <a:xfrm>
+            <a:off x="5914473" y="5530444"/>
+            <a:ext cx="466794" cy="369332"/>
+          </a:xfrm>
+          <a:prstGeom prst="rect">
+            <a:avLst/>
+          </a:prstGeom>
+          <a:noFill/>
+        </p:spPr>
+        <p:txBody>
+          <a:bodyPr wrap="none" rtlCol="0">
+            <a:spAutoFit/>
+          </a:bodyPr>
+          <a:lstStyle/>
+          <a:p>
+            <a:r>
+              <a:rPr lang="en-US" b="1" dirty="0">
+                <a:latin typeface="Arial" panose="020B0604020202020204" pitchFamily="34" charset="0"/>
+                <a:cs typeface="Arial" panose="020B0604020202020204" pitchFamily="34" charset="0"/>
+              </a:rPr>
+              <a:t>(e)</a:t>
+            </a:r>
+          </a:p>
+        </p:txBody>
+      </p:sp>
+      <p:sp>
+        <p:nvSpPr>
+          <p:cNvPr id="18" name="TextBox 17">
+            <a:extLst>
+              <a:ext uri="{FF2B5EF4-FFF2-40B4-BE49-F238E27FC236}">
+                <a16:creationId xmlns:a16="http://schemas.microsoft.com/office/drawing/2014/main" id="{D0514D21-F080-A1E0-098C-5059F12BD367}"/>
+              </a:ext>
+            </a:extLst>
+          </p:cNvPr>
+          <p:cNvSpPr txBox="1"/>
+          <p:nvPr/>
+        </p:nvSpPr>
+        <p:spPr>
+          <a:xfrm>
+            <a:off x="9439065" y="5530444"/>
+            <a:ext cx="415498" cy="369332"/>
+          </a:xfrm>
+          <a:prstGeom prst="rect">
+            <a:avLst/>
+          </a:prstGeom>
+          <a:noFill/>
+        </p:spPr>
+        <p:txBody>
+          <a:bodyPr wrap="none" rtlCol="0">
+            <a:spAutoFit/>
+          </a:bodyPr>
+          <a:lstStyle/>
+          <a:p>
+            <a:r>
+              <a:rPr lang="en-US" b="1" dirty="0">
+                <a:latin typeface="Arial" panose="020B0604020202020204" pitchFamily="34" charset="0"/>
+                <a:cs typeface="Arial" panose="020B0604020202020204" pitchFamily="34" charset="0"/>
+              </a:rPr>
+              <a:t>(f)</a:t>
+            </a:r>
           </a:p>
         </p:txBody>
       </p:sp>
